--- a/Presentation.pptx
+++ b/Presentation.pptx
@@ -7,6 +7,12 @@
   <p:sldIdLst>
     <p:sldId id="256" r:id="rId2"/>
     <p:sldId id="257" r:id="rId3"/>
+    <p:sldId id="260" r:id="rId4"/>
+    <p:sldId id="261" r:id="rId5"/>
+    <p:sldId id="262" r:id="rId6"/>
+    <p:sldId id="258" r:id="rId7"/>
+    <p:sldId id="259" r:id="rId8"/>
+    <p:sldId id="263" r:id="rId9"/>
   </p:sldIdLst>
   <p:sldSz cx="12192000" cy="6858000"/>
   <p:notesSz cx="6858000" cy="9144000"/>
@@ -105,6 +111,11 @@
       </a:defRPr>
     </a:lvl9pPr>
   </p:defaultTextStyle>
+  <p:extLst>
+    <p:ext uri="{EFAFB233-063F-42B5-8137-9DF3F51BA10A}">
+      <p15:sldGuideLst xmlns:p15="http://schemas.microsoft.com/office/powerpoint/2012/main"/>
+    </p:ext>
+  </p:extLst>
 </p:presentation>
 </file>
 
@@ -291,7 +302,7 @@
           <a:p>
             <a:fld id="{604F7C9E-0DF0-41FF-BF89-6D402EB28E91}" type="datetimeFigureOut">
               <a:rPr lang="en-GB" smtClean="0"/>
-              <a:t>05/12/2019</a:t>
+              <a:t>10/12/2019</a:t>
             </a:fld>
             <a:endParaRPr lang="en-GB"/>
           </a:p>
@@ -566,7 +577,7 @@
           <a:p>
             <a:fld id="{604F7C9E-0DF0-41FF-BF89-6D402EB28E91}" type="datetimeFigureOut">
               <a:rPr lang="en-GB" smtClean="0"/>
-              <a:t>05/12/2019</a:t>
+              <a:t>10/12/2019</a:t>
             </a:fld>
             <a:endParaRPr lang="en-GB"/>
           </a:p>
@@ -760,7 +771,7 @@
           <a:p>
             <a:fld id="{604F7C9E-0DF0-41FF-BF89-6D402EB28E91}" type="datetimeFigureOut">
               <a:rPr lang="en-GB" smtClean="0"/>
-              <a:t>05/12/2019</a:t>
+              <a:t>10/12/2019</a:t>
             </a:fld>
             <a:endParaRPr lang="en-GB"/>
           </a:p>
@@ -1028,7 +1039,7 @@
           <a:p>
             <a:fld id="{604F7C9E-0DF0-41FF-BF89-6D402EB28E91}" type="datetimeFigureOut">
               <a:rPr lang="en-GB" smtClean="0"/>
-              <a:t>05/12/2019</a:t>
+              <a:t>10/12/2019</a:t>
             </a:fld>
             <a:endParaRPr lang="en-GB"/>
           </a:p>
@@ -1360,7 +1371,7 @@
           <a:p>
             <a:fld id="{604F7C9E-0DF0-41FF-BF89-6D402EB28E91}" type="datetimeFigureOut">
               <a:rPr lang="en-GB" smtClean="0"/>
-              <a:t>05/12/2019</a:t>
+              <a:t>10/12/2019</a:t>
             </a:fld>
             <a:endParaRPr lang="en-GB"/>
           </a:p>
@@ -1970,7 +1981,7 @@
           <a:p>
             <a:fld id="{604F7C9E-0DF0-41FF-BF89-6D402EB28E91}" type="datetimeFigureOut">
               <a:rPr lang="en-GB" smtClean="0"/>
-              <a:t>05/12/2019</a:t>
+              <a:t>10/12/2019</a:t>
             </a:fld>
             <a:endParaRPr lang="en-GB"/>
           </a:p>
@@ -2817,7 +2828,7 @@
           <a:p>
             <a:fld id="{604F7C9E-0DF0-41FF-BF89-6D402EB28E91}" type="datetimeFigureOut">
               <a:rPr lang="en-GB" smtClean="0"/>
-              <a:t>05/12/2019</a:t>
+              <a:t>10/12/2019</a:t>
             </a:fld>
             <a:endParaRPr lang="en-GB"/>
           </a:p>
@@ -2987,7 +2998,7 @@
           <a:p>
             <a:fld id="{604F7C9E-0DF0-41FF-BF89-6D402EB28E91}" type="datetimeFigureOut">
               <a:rPr lang="en-GB" smtClean="0"/>
-              <a:t>05/12/2019</a:t>
+              <a:t>10/12/2019</a:t>
             </a:fld>
             <a:endParaRPr lang="en-GB"/>
           </a:p>
@@ -3167,7 +3178,7 @@
           <a:p>
             <a:fld id="{604F7C9E-0DF0-41FF-BF89-6D402EB28E91}" type="datetimeFigureOut">
               <a:rPr lang="en-GB" smtClean="0"/>
-              <a:t>05/12/2019</a:t>
+              <a:t>10/12/2019</a:t>
             </a:fld>
             <a:endParaRPr lang="en-GB"/>
           </a:p>
@@ -3337,7 +3348,7 @@
           <a:p>
             <a:fld id="{604F7C9E-0DF0-41FF-BF89-6D402EB28E91}" type="datetimeFigureOut">
               <a:rPr lang="en-GB" smtClean="0"/>
-              <a:t>05/12/2019</a:t>
+              <a:t>10/12/2019</a:t>
             </a:fld>
             <a:endParaRPr lang="en-GB"/>
           </a:p>
@@ -3581,7 +3592,7 @@
           <a:p>
             <a:fld id="{604F7C9E-0DF0-41FF-BF89-6D402EB28E91}" type="datetimeFigureOut">
               <a:rPr lang="en-GB" smtClean="0"/>
-              <a:t>05/12/2019</a:t>
+              <a:t>10/12/2019</a:t>
             </a:fld>
             <a:endParaRPr lang="en-GB"/>
           </a:p>
@@ -3873,7 +3884,7 @@
           <a:p>
             <a:fld id="{604F7C9E-0DF0-41FF-BF89-6D402EB28E91}" type="datetimeFigureOut">
               <a:rPr lang="en-GB" smtClean="0"/>
-              <a:t>05/12/2019</a:t>
+              <a:t>10/12/2019</a:t>
             </a:fld>
             <a:endParaRPr lang="en-GB"/>
           </a:p>
@@ -4316,7 +4327,7 @@
           <a:p>
             <a:fld id="{604F7C9E-0DF0-41FF-BF89-6D402EB28E91}" type="datetimeFigureOut">
               <a:rPr lang="en-GB" smtClean="0"/>
-              <a:t>05/12/2019</a:t>
+              <a:t>10/12/2019</a:t>
             </a:fld>
             <a:endParaRPr lang="en-GB"/>
           </a:p>
@@ -4439,7 +4450,7 @@
           <a:p>
             <a:fld id="{604F7C9E-0DF0-41FF-BF89-6D402EB28E91}" type="datetimeFigureOut">
               <a:rPr lang="en-GB" smtClean="0"/>
-              <a:t>05/12/2019</a:t>
+              <a:t>10/12/2019</a:t>
             </a:fld>
             <a:endParaRPr lang="en-GB"/>
           </a:p>
@@ -4534,7 +4545,7 @@
           <a:p>
             <a:fld id="{604F7C9E-0DF0-41FF-BF89-6D402EB28E91}" type="datetimeFigureOut">
               <a:rPr lang="en-GB" smtClean="0"/>
-              <a:t>05/12/2019</a:t>
+              <a:t>10/12/2019</a:t>
             </a:fld>
             <a:endParaRPr lang="en-GB"/>
           </a:p>
@@ -4813,7 +4824,7 @@
           <a:p>
             <a:fld id="{604F7C9E-0DF0-41FF-BF89-6D402EB28E91}" type="datetimeFigureOut">
               <a:rPr lang="en-GB" smtClean="0"/>
-              <a:t>05/12/2019</a:t>
+              <a:t>10/12/2019</a:t>
             </a:fld>
             <a:endParaRPr lang="en-GB"/>
           </a:p>
@@ -5093,7 +5104,7 @@
           <a:p>
             <a:fld id="{604F7C9E-0DF0-41FF-BF89-6D402EB28E91}" type="datetimeFigureOut">
               <a:rPr lang="en-GB" smtClean="0"/>
-              <a:t>05/12/2019</a:t>
+              <a:t>10/12/2019</a:t>
             </a:fld>
             <a:endParaRPr lang="en-GB"/>
           </a:p>
@@ -5522,7 +5533,7 @@
           <a:p>
             <a:fld id="{604F7C9E-0DF0-41FF-BF89-6D402EB28E91}" type="datetimeFigureOut">
               <a:rPr lang="en-GB" smtClean="0"/>
-              <a:t>05/12/2019</a:t>
+              <a:t>10/12/2019</a:t>
             </a:fld>
             <a:endParaRPr lang="en-GB"/>
           </a:p>
@@ -6105,6 +6116,36 @@
           </a:p>
         </p:txBody>
       </p:sp>
+      <p:pic>
+        <p:nvPicPr>
+          <p:cNvPr id="4" name="Picture 3">
+            <a:extLst>
+              <a:ext uri="{FF2B5EF4-FFF2-40B4-BE49-F238E27FC236}">
+                <a16:creationId xmlns:a16="http://schemas.microsoft.com/office/drawing/2014/main" id="{CB742130-29AE-4BCB-9541-85097384B3A0}"/>
+              </a:ext>
+            </a:extLst>
+          </p:cNvPr>
+          <p:cNvPicPr>
+            <a:picLocks noChangeAspect="1"/>
+          </p:cNvPicPr>
+          <p:nvPr/>
+        </p:nvPicPr>
+        <p:blipFill>
+          <a:blip r:embed="rId2"/>
+          <a:stretch>
+            <a:fillRect/>
+          </a:stretch>
+        </p:blipFill>
+        <p:spPr>
+          <a:xfrm>
+            <a:off x="322654" y="158620"/>
+            <a:ext cx="3256801" cy="1800242"/>
+          </a:xfrm>
+          <a:prstGeom prst="rect">
+            <a:avLst/>
+          </a:prstGeom>
+        </p:spPr>
+      </p:pic>
     </p:spTree>
     <p:extLst>
       <p:ext uri="{BB962C8B-B14F-4D97-AF65-F5344CB8AC3E}">
@@ -6137,31 +6178,6 @@
       </p:grpSpPr>
       <p:sp>
         <p:nvSpPr>
-          <p:cNvPr id="2" name="Title 1">
-            <a:extLst>
-              <a:ext uri="{FF2B5EF4-FFF2-40B4-BE49-F238E27FC236}">
-                <a16:creationId xmlns:a16="http://schemas.microsoft.com/office/drawing/2014/main" id="{32100FCF-E590-4981-A5F4-5C565FCA5895}"/>
-              </a:ext>
-            </a:extLst>
-          </p:cNvPr>
-          <p:cNvSpPr>
-            <a:spLocks noGrp="1"/>
-          </p:cNvSpPr>
-          <p:nvPr>
-            <p:ph type="title"/>
-          </p:nvPr>
-        </p:nvSpPr>
-        <p:spPr/>
-        <p:txBody>
-          <a:bodyPr/>
-          <a:lstStyle/>
-          <a:p>
-            <a:endParaRPr lang="en-GB"/>
-          </a:p>
-        </p:txBody>
-      </p:sp>
-      <p:sp>
-        <p:nvSpPr>
           <p:cNvPr id="3" name="Content Placeholder 2">
             <a:extLst>
               <a:ext uri="{FF2B5EF4-FFF2-40B4-BE49-F238E27FC236}">
@@ -6176,19 +6192,1044 @@
             <p:ph idx="1"/>
           </p:nvPr>
         </p:nvSpPr>
-        <p:spPr/>
-        <p:txBody>
-          <a:bodyPr/>
+        <p:spPr>
+          <a:xfrm>
+            <a:off x="658695" y="643567"/>
+            <a:ext cx="8946541" cy="5161615"/>
+          </a:xfrm>
+        </p:spPr>
+        <p:txBody>
+          <a:bodyPr>
+            <a:normAutofit fontScale="92500" lnSpcReduction="20000"/>
+          </a:bodyPr>
           <a:lstStyle/>
           <a:p>
-            <a:endParaRPr lang="en-GB"/>
-          </a:p>
-        </p:txBody>
-      </p:sp>
+            <a:pPr marL="0" indent="0">
+              <a:buNone/>
+            </a:pPr>
+            <a:r>
+              <a:rPr lang="en-GB" sz="2600" dirty="0"/>
+              <a:t>Fùchóu is an action-packed stealth game about a liberation story where the player fights to overthrow a ruthless dictator. Ex monk turned assassin the player must use a variety of gadgets and tactics to sneak their way past or butcher a variety of enemy.</a:t>
+            </a:r>
+          </a:p>
+          <a:p>
+            <a:pPr marL="0" indent="0">
+              <a:buNone/>
+            </a:pPr>
+            <a:endParaRPr lang="en-GB" sz="2600" dirty="0"/>
+          </a:p>
+          <a:p>
+            <a:r>
+              <a:rPr lang="en-GB" sz="2600" dirty="0"/>
+              <a:t>Two Routes the player can take, Genocidal or </a:t>
+            </a:r>
+          </a:p>
+          <a:p>
+            <a:pPr marL="0" indent="0">
+              <a:buNone/>
+            </a:pPr>
+            <a:r>
+              <a:rPr lang="en-GB" sz="2600" dirty="0"/>
+              <a:t>	Stick to the monks code</a:t>
+            </a:r>
+          </a:p>
+          <a:p>
+            <a:endParaRPr lang="en-GB" sz="2600" dirty="0"/>
+          </a:p>
+          <a:p>
+            <a:r>
+              <a:rPr lang="en-GB" sz="2600" dirty="0"/>
+              <a:t>Choices in gameplay, the player can sneak</a:t>
+            </a:r>
+          </a:p>
+          <a:p>
+            <a:pPr marL="0" indent="0">
+              <a:buNone/>
+            </a:pPr>
+            <a:r>
+              <a:rPr lang="en-GB" sz="2600" dirty="0"/>
+              <a:t>	past guards using choke holds, or fight</a:t>
+            </a:r>
+          </a:p>
+          <a:p>
+            <a:pPr marL="0" indent="0">
+              <a:buNone/>
+            </a:pPr>
+            <a:r>
+              <a:rPr lang="en-GB" sz="2600" dirty="0"/>
+              <a:t>	them sword to sword</a:t>
+            </a:r>
+            <a:br>
+              <a:rPr lang="en-GB" dirty="0"/>
+            </a:br>
+            <a:endParaRPr lang="en-GB" dirty="0"/>
+          </a:p>
+        </p:txBody>
+      </p:sp>
+      <p:pic>
+        <p:nvPicPr>
+          <p:cNvPr id="1026" name="Picture 2" descr="Imperial Sheriff Chinese steampunk swordsman character design.">
+            <a:extLst>
+              <a:ext uri="{FF2B5EF4-FFF2-40B4-BE49-F238E27FC236}">
+                <a16:creationId xmlns:a16="http://schemas.microsoft.com/office/drawing/2014/main" id="{929CB3AB-99C4-4D75-A8F9-EC180D88470C}"/>
+              </a:ext>
+            </a:extLst>
+          </p:cNvPr>
+          <p:cNvPicPr>
+            <a:picLocks noChangeAspect="1" noChangeArrowheads="1"/>
+          </p:cNvPicPr>
+          <p:nvPr/>
+        </p:nvPicPr>
+        <p:blipFill>
+          <a:blip r:embed="rId2">
+            <a:extLst>
+              <a:ext uri="{28A0092B-C50C-407E-A947-70E740481C1C}">
+                <a14:useLocalDpi xmlns:a14="http://schemas.microsoft.com/office/drawing/2010/main" val="0"/>
+              </a:ext>
+            </a:extLst>
+          </a:blip>
+          <a:srcRect/>
+          <a:stretch>
+            <a:fillRect/>
+          </a:stretch>
+        </p:blipFill>
+        <p:spPr bwMode="auto">
+          <a:xfrm>
+            <a:off x="8403569" y="1974883"/>
+            <a:ext cx="3129736" cy="5378067"/>
+          </a:xfrm>
+          <a:prstGeom prst="rect">
+            <a:avLst/>
+          </a:prstGeom>
+          <a:noFill/>
+          <a:extLst>
+            <a:ext uri="{909E8E84-426E-40DD-AFC4-6F175D3DCCD1}">
+              <a14:hiddenFill xmlns:a14="http://schemas.microsoft.com/office/drawing/2010/main">
+                <a:solidFill>
+                  <a:srgbClr val="FFFFFF"/>
+                </a:solidFill>
+              </a14:hiddenFill>
+            </a:ext>
+          </a:extLst>
+        </p:spPr>
+      </p:pic>
     </p:spTree>
     <p:extLst>
       <p:ext uri="{BB962C8B-B14F-4D97-AF65-F5344CB8AC3E}">
         <p14:creationId xmlns:p14="http://schemas.microsoft.com/office/powerpoint/2010/main" val="1534867058"/>
+      </p:ext>
+    </p:extLst>
+  </p:cSld>
+  <p:clrMapOvr>
+    <a:masterClrMapping/>
+  </p:clrMapOvr>
+</p:sld>
+</file>
+
+<file path=ppt/slides/slide3.xml><?xml version="1.0" encoding="utf-8"?>
+<p:sld xmlns:a="http://schemas.openxmlformats.org/drawingml/2006/main" xmlns:r="http://schemas.openxmlformats.org/officeDocument/2006/relationships" xmlns:p="http://schemas.openxmlformats.org/presentationml/2006/main">
+  <p:cSld>
+    <p:spTree>
+      <p:nvGrpSpPr>
+        <p:cNvPr id="1" name=""/>
+        <p:cNvGrpSpPr/>
+        <p:nvPr/>
+      </p:nvGrpSpPr>
+      <p:grpSpPr>
+        <a:xfrm>
+          <a:off x="0" y="0"/>
+          <a:ext cx="0" cy="0"/>
+          <a:chOff x="0" y="0"/>
+          <a:chExt cx="0" cy="0"/>
+        </a:xfrm>
+      </p:grpSpPr>
+      <p:sp>
+        <p:nvSpPr>
+          <p:cNvPr id="2" name="Title 1">
+            <a:extLst>
+              <a:ext uri="{FF2B5EF4-FFF2-40B4-BE49-F238E27FC236}">
+                <a16:creationId xmlns:a16="http://schemas.microsoft.com/office/drawing/2014/main" id="{D1C6198D-28CE-426F-A05C-6457DF11BE25}"/>
+              </a:ext>
+            </a:extLst>
+          </p:cNvPr>
+          <p:cNvSpPr>
+            <a:spLocks noGrp="1"/>
+          </p:cNvSpPr>
+          <p:nvPr>
+            <p:ph type="title"/>
+          </p:nvPr>
+        </p:nvSpPr>
+        <p:spPr/>
+        <p:txBody>
+          <a:bodyPr/>
+          <a:lstStyle/>
+          <a:p>
+            <a:r>
+              <a:rPr lang="en-GB" dirty="0"/>
+              <a:t>Set in alternate universe</a:t>
+            </a:r>
+          </a:p>
+        </p:txBody>
+      </p:sp>
+      <p:sp>
+        <p:nvSpPr>
+          <p:cNvPr id="3" name="Content Placeholder 2">
+            <a:extLst>
+              <a:ext uri="{FF2B5EF4-FFF2-40B4-BE49-F238E27FC236}">
+                <a16:creationId xmlns:a16="http://schemas.microsoft.com/office/drawing/2014/main" id="{19B36654-9619-4686-B749-722C9738BCAF}"/>
+              </a:ext>
+            </a:extLst>
+          </p:cNvPr>
+          <p:cNvSpPr>
+            <a:spLocks noGrp="1"/>
+          </p:cNvSpPr>
+          <p:nvPr>
+            <p:ph idx="1"/>
+          </p:nvPr>
+        </p:nvSpPr>
+        <p:spPr>
+          <a:xfrm>
+            <a:off x="482527" y="1532800"/>
+            <a:ext cx="8946541" cy="4195481"/>
+          </a:xfrm>
+        </p:spPr>
+        <p:txBody>
+          <a:bodyPr/>
+          <a:lstStyle/>
+          <a:p>
+            <a:r>
+              <a:rPr lang="en-GB" dirty="0"/>
+              <a:t>Early industrial age steampunk China with a brutal dictator</a:t>
+            </a:r>
+          </a:p>
+          <a:p>
+            <a:endParaRPr lang="en-GB" dirty="0"/>
+          </a:p>
+          <a:p>
+            <a:endParaRPr lang="en-GB" dirty="0"/>
+          </a:p>
+        </p:txBody>
+      </p:sp>
+      <p:pic>
+        <p:nvPicPr>
+          <p:cNvPr id="4" name="Picture 3">
+            <a:extLst>
+              <a:ext uri="{FF2B5EF4-FFF2-40B4-BE49-F238E27FC236}">
+                <a16:creationId xmlns:a16="http://schemas.microsoft.com/office/drawing/2014/main" id="{45228A25-2684-4580-99A7-8FFE3309ADE1}"/>
+              </a:ext>
+            </a:extLst>
+          </p:cNvPr>
+          <p:cNvPicPr>
+            <a:picLocks noChangeAspect="1"/>
+          </p:cNvPicPr>
+          <p:nvPr/>
+        </p:nvPicPr>
+        <p:blipFill>
+          <a:blip r:embed="rId2"/>
+          <a:stretch>
+            <a:fillRect/>
+          </a:stretch>
+        </p:blipFill>
+        <p:spPr>
+          <a:xfrm>
+            <a:off x="18553" y="1877772"/>
+            <a:ext cx="6480932" cy="3505535"/>
+          </a:xfrm>
+          <a:prstGeom prst="rect">
+            <a:avLst/>
+          </a:prstGeom>
+        </p:spPr>
+      </p:pic>
+      <p:pic>
+        <p:nvPicPr>
+          <p:cNvPr id="5" name="Picture 4">
+            <a:extLst>
+              <a:ext uri="{FF2B5EF4-FFF2-40B4-BE49-F238E27FC236}">
+                <a16:creationId xmlns:a16="http://schemas.microsoft.com/office/drawing/2014/main" id="{3569180F-F087-4913-AE0F-907AD12C1F01}"/>
+              </a:ext>
+            </a:extLst>
+          </p:cNvPr>
+          <p:cNvPicPr>
+            <a:picLocks noChangeAspect="1"/>
+          </p:cNvPicPr>
+          <p:nvPr/>
+        </p:nvPicPr>
+        <p:blipFill>
+          <a:blip r:embed="rId3"/>
+          <a:stretch>
+            <a:fillRect/>
+          </a:stretch>
+        </p:blipFill>
+        <p:spPr>
+          <a:xfrm>
+            <a:off x="6572617" y="1853248"/>
+            <a:ext cx="2783318" cy="3843630"/>
+          </a:xfrm>
+          <a:prstGeom prst="rect">
+            <a:avLst/>
+          </a:prstGeom>
+        </p:spPr>
+      </p:pic>
+    </p:spTree>
+    <p:extLst>
+      <p:ext uri="{BB962C8B-B14F-4D97-AF65-F5344CB8AC3E}">
+        <p14:creationId xmlns:p14="http://schemas.microsoft.com/office/powerpoint/2010/main" val="3044198322"/>
+      </p:ext>
+    </p:extLst>
+  </p:cSld>
+  <p:clrMapOvr>
+    <a:masterClrMapping/>
+  </p:clrMapOvr>
+</p:sld>
+</file>
+
+<file path=ppt/slides/slide4.xml><?xml version="1.0" encoding="utf-8"?>
+<p:sld xmlns:a="http://schemas.openxmlformats.org/drawingml/2006/main" xmlns:r="http://schemas.openxmlformats.org/officeDocument/2006/relationships" xmlns:p="http://schemas.openxmlformats.org/presentationml/2006/main">
+  <p:cSld>
+    <p:spTree>
+      <p:nvGrpSpPr>
+        <p:cNvPr id="1" name=""/>
+        <p:cNvGrpSpPr/>
+        <p:nvPr/>
+      </p:nvGrpSpPr>
+      <p:grpSpPr>
+        <a:xfrm>
+          <a:off x="0" y="0"/>
+          <a:ext cx="0" cy="0"/>
+          <a:chOff x="0" y="0"/>
+          <a:chExt cx="0" cy="0"/>
+        </a:xfrm>
+      </p:grpSpPr>
+      <p:pic>
+        <p:nvPicPr>
+          <p:cNvPr id="4" name="Picture 3">
+            <a:extLst>
+              <a:ext uri="{FF2B5EF4-FFF2-40B4-BE49-F238E27FC236}">
+                <a16:creationId xmlns:a16="http://schemas.microsoft.com/office/drawing/2014/main" id="{BE6006A5-6158-4E20-84E2-E7014C2920A7}"/>
+              </a:ext>
+            </a:extLst>
+          </p:cNvPr>
+          <p:cNvPicPr>
+            <a:picLocks noChangeAspect="1"/>
+          </p:cNvPicPr>
+          <p:nvPr/>
+        </p:nvPicPr>
+        <p:blipFill>
+          <a:blip r:embed="rId2"/>
+          <a:stretch>
+            <a:fillRect/>
+          </a:stretch>
+        </p:blipFill>
+        <p:spPr>
+          <a:xfrm>
+            <a:off x="884950" y="1348662"/>
+            <a:ext cx="3648075" cy="3619500"/>
+          </a:xfrm>
+          <a:prstGeom prst="rect">
+            <a:avLst/>
+          </a:prstGeom>
+        </p:spPr>
+      </p:pic>
+      <p:pic>
+        <p:nvPicPr>
+          <p:cNvPr id="3074" name="Picture 2" descr="Image result for arrow symbol">
+            <a:extLst>
+              <a:ext uri="{FF2B5EF4-FFF2-40B4-BE49-F238E27FC236}">
+                <a16:creationId xmlns:a16="http://schemas.microsoft.com/office/drawing/2014/main" id="{23300216-9A30-42AF-A058-4F78B05A0540}"/>
+              </a:ext>
+            </a:extLst>
+          </p:cNvPr>
+          <p:cNvPicPr>
+            <a:picLocks noChangeAspect="1" noChangeArrowheads="1"/>
+          </p:cNvPicPr>
+          <p:nvPr/>
+        </p:nvPicPr>
+        <p:blipFill>
+          <a:blip r:embed="rId3">
+            <a:extLst>
+              <a:ext uri="{28A0092B-C50C-407E-A947-70E740481C1C}">
+                <a14:useLocalDpi xmlns:a14="http://schemas.microsoft.com/office/drawing/2010/main" val="0"/>
+              </a:ext>
+            </a:extLst>
+          </a:blip>
+          <a:srcRect/>
+          <a:stretch>
+            <a:fillRect/>
+          </a:stretch>
+        </p:blipFill>
+        <p:spPr bwMode="auto">
+          <a:xfrm>
+            <a:off x="4366727" y="2081504"/>
+            <a:ext cx="2153816" cy="2153816"/>
+          </a:xfrm>
+          <a:prstGeom prst="rect">
+            <a:avLst/>
+          </a:prstGeom>
+          <a:noFill/>
+          <a:extLst>
+            <a:ext uri="{909E8E84-426E-40DD-AFC4-6F175D3DCCD1}">
+              <a14:hiddenFill xmlns:a14="http://schemas.microsoft.com/office/drawing/2010/main">
+                <a:solidFill>
+                  <a:srgbClr val="FFFFFF"/>
+                </a:solidFill>
+              </a14:hiddenFill>
+            </a:ext>
+          </a:extLst>
+        </p:spPr>
+      </p:pic>
+      <p:pic>
+        <p:nvPicPr>
+          <p:cNvPr id="5" name="Picture 4">
+            <a:extLst>
+              <a:ext uri="{FF2B5EF4-FFF2-40B4-BE49-F238E27FC236}">
+                <a16:creationId xmlns:a16="http://schemas.microsoft.com/office/drawing/2014/main" id="{40D6D522-53E7-4E6A-979E-9E2F2CC04FA4}"/>
+              </a:ext>
+            </a:extLst>
+          </p:cNvPr>
+          <p:cNvPicPr>
+            <a:picLocks noChangeAspect="1"/>
+          </p:cNvPicPr>
+          <p:nvPr/>
+        </p:nvPicPr>
+        <p:blipFill>
+          <a:blip r:embed="rId4"/>
+          <a:stretch>
+            <a:fillRect/>
+          </a:stretch>
+        </p:blipFill>
+        <p:spPr>
+          <a:xfrm>
+            <a:off x="6669833" y="842088"/>
+            <a:ext cx="5029200" cy="4667250"/>
+          </a:xfrm>
+          <a:prstGeom prst="rect">
+            <a:avLst/>
+          </a:prstGeom>
+        </p:spPr>
+      </p:pic>
+    </p:spTree>
+    <p:extLst>
+      <p:ext uri="{BB962C8B-B14F-4D97-AF65-F5344CB8AC3E}">
+        <p14:creationId xmlns:p14="http://schemas.microsoft.com/office/powerpoint/2010/main" val="4221548540"/>
+      </p:ext>
+    </p:extLst>
+  </p:cSld>
+  <p:clrMapOvr>
+    <a:masterClrMapping/>
+  </p:clrMapOvr>
+</p:sld>
+</file>
+
+<file path=ppt/slides/slide5.xml><?xml version="1.0" encoding="utf-8"?>
+<p:sld xmlns:a="http://schemas.openxmlformats.org/drawingml/2006/main" xmlns:r="http://schemas.openxmlformats.org/officeDocument/2006/relationships" xmlns:p="http://schemas.openxmlformats.org/presentationml/2006/main">
+  <p:cSld>
+    <p:spTree>
+      <p:nvGrpSpPr>
+        <p:cNvPr id="1" name=""/>
+        <p:cNvGrpSpPr/>
+        <p:nvPr/>
+      </p:nvGrpSpPr>
+      <p:grpSpPr>
+        <a:xfrm>
+          <a:off x="0" y="0"/>
+          <a:ext cx="0" cy="0"/>
+          <a:chOff x="0" y="0"/>
+          <a:chExt cx="0" cy="0"/>
+        </a:xfrm>
+      </p:grpSpPr>
+      <p:pic>
+        <p:nvPicPr>
+          <p:cNvPr id="4" name="Picture 3">
+            <a:extLst>
+              <a:ext uri="{FF2B5EF4-FFF2-40B4-BE49-F238E27FC236}">
+                <a16:creationId xmlns:a16="http://schemas.microsoft.com/office/drawing/2014/main" id="{93144D29-5098-4801-9AD4-9FC0CA6B7734}"/>
+              </a:ext>
+            </a:extLst>
+          </p:cNvPr>
+          <p:cNvPicPr>
+            <a:picLocks noChangeAspect="1"/>
+          </p:cNvPicPr>
+          <p:nvPr/>
+        </p:nvPicPr>
+        <p:blipFill>
+          <a:blip r:embed="rId2"/>
+          <a:stretch>
+            <a:fillRect/>
+          </a:stretch>
+        </p:blipFill>
+        <p:spPr>
+          <a:xfrm>
+            <a:off x="332694" y="1161845"/>
+            <a:ext cx="3474196" cy="5069999"/>
+          </a:xfrm>
+          <a:prstGeom prst="rect">
+            <a:avLst/>
+          </a:prstGeom>
+        </p:spPr>
+      </p:pic>
+      <p:pic>
+        <p:nvPicPr>
+          <p:cNvPr id="5" name="Picture 2" descr="Image result for arrow symbol">
+            <a:extLst>
+              <a:ext uri="{FF2B5EF4-FFF2-40B4-BE49-F238E27FC236}">
+                <a16:creationId xmlns:a16="http://schemas.microsoft.com/office/drawing/2014/main" id="{2811D1E3-9460-4E49-B84E-DD17B5CCA63E}"/>
+              </a:ext>
+            </a:extLst>
+          </p:cNvPr>
+          <p:cNvPicPr>
+            <a:picLocks noChangeAspect="1" noChangeArrowheads="1"/>
+          </p:cNvPicPr>
+          <p:nvPr/>
+        </p:nvPicPr>
+        <p:blipFill>
+          <a:blip r:embed="rId3">
+            <a:extLst>
+              <a:ext uri="{28A0092B-C50C-407E-A947-70E740481C1C}">
+                <a14:useLocalDpi xmlns:a14="http://schemas.microsoft.com/office/drawing/2010/main" val="0"/>
+              </a:ext>
+            </a:extLst>
+          </a:blip>
+          <a:srcRect/>
+          <a:stretch>
+            <a:fillRect/>
+          </a:stretch>
+        </p:blipFill>
+        <p:spPr bwMode="auto">
+          <a:xfrm>
+            <a:off x="4058817" y="2352092"/>
+            <a:ext cx="2153816" cy="2153816"/>
+          </a:xfrm>
+          <a:prstGeom prst="rect">
+            <a:avLst/>
+          </a:prstGeom>
+          <a:noFill/>
+          <a:extLst>
+            <a:ext uri="{909E8E84-426E-40DD-AFC4-6F175D3DCCD1}">
+              <a14:hiddenFill xmlns:a14="http://schemas.microsoft.com/office/drawing/2010/main">
+                <a:solidFill>
+                  <a:srgbClr val="FFFFFF"/>
+                </a:solidFill>
+              </a14:hiddenFill>
+            </a:ext>
+          </a:extLst>
+        </p:spPr>
+      </p:pic>
+      <p:pic>
+        <p:nvPicPr>
+          <p:cNvPr id="6" name="Picture 5">
+            <a:extLst>
+              <a:ext uri="{FF2B5EF4-FFF2-40B4-BE49-F238E27FC236}">
+                <a16:creationId xmlns:a16="http://schemas.microsoft.com/office/drawing/2014/main" id="{08B64D31-6030-413C-A5E9-C29C93FE88F1}"/>
+              </a:ext>
+            </a:extLst>
+          </p:cNvPr>
+          <p:cNvPicPr>
+            <a:picLocks noChangeAspect="1"/>
+          </p:cNvPicPr>
+          <p:nvPr/>
+        </p:nvPicPr>
+        <p:blipFill>
+          <a:blip r:embed="rId4"/>
+          <a:stretch>
+            <a:fillRect/>
+          </a:stretch>
+        </p:blipFill>
+        <p:spPr>
+          <a:xfrm>
+            <a:off x="6728151" y="1266820"/>
+            <a:ext cx="3313922" cy="4713134"/>
+          </a:xfrm>
+          <a:prstGeom prst="rect">
+            <a:avLst/>
+          </a:prstGeom>
+        </p:spPr>
+      </p:pic>
+    </p:spTree>
+    <p:extLst>
+      <p:ext uri="{BB962C8B-B14F-4D97-AF65-F5344CB8AC3E}">
+        <p14:creationId xmlns:p14="http://schemas.microsoft.com/office/powerpoint/2010/main" val="1528072627"/>
+      </p:ext>
+    </p:extLst>
+  </p:cSld>
+  <p:clrMapOvr>
+    <a:masterClrMapping/>
+  </p:clrMapOvr>
+</p:sld>
+</file>
+
+<file path=ppt/slides/slide6.xml><?xml version="1.0" encoding="utf-8"?>
+<p:sld xmlns:a="http://schemas.openxmlformats.org/drawingml/2006/main" xmlns:r="http://schemas.openxmlformats.org/officeDocument/2006/relationships" xmlns:p="http://schemas.openxmlformats.org/presentationml/2006/main">
+  <p:cSld>
+    <p:spTree>
+      <p:nvGrpSpPr>
+        <p:cNvPr id="1" name=""/>
+        <p:cNvGrpSpPr/>
+        <p:nvPr/>
+      </p:nvGrpSpPr>
+      <p:grpSpPr>
+        <a:xfrm>
+          <a:off x="0" y="0"/>
+          <a:ext cx="0" cy="0"/>
+          <a:chOff x="0" y="0"/>
+          <a:chExt cx="0" cy="0"/>
+        </a:xfrm>
+      </p:grpSpPr>
+      <p:sp>
+        <p:nvSpPr>
+          <p:cNvPr id="3" name="Content Placeholder 2">
+            <a:extLst>
+              <a:ext uri="{FF2B5EF4-FFF2-40B4-BE49-F238E27FC236}">
+                <a16:creationId xmlns:a16="http://schemas.microsoft.com/office/drawing/2014/main" id="{8256B8E1-6EF1-4533-839A-3DDC40D33779}"/>
+              </a:ext>
+            </a:extLst>
+          </p:cNvPr>
+          <p:cNvSpPr>
+            <a:spLocks noGrp="1"/>
+          </p:cNvSpPr>
+          <p:nvPr>
+            <p:ph idx="1"/>
+          </p:nvPr>
+        </p:nvSpPr>
+        <p:spPr>
+          <a:xfrm>
+            <a:off x="301707" y="356209"/>
+            <a:ext cx="8946541" cy="4195481"/>
+          </a:xfrm>
+        </p:spPr>
+        <p:txBody>
+          <a:bodyPr/>
+          <a:lstStyle/>
+          <a:p>
+            <a:r>
+              <a:rPr lang="en-GB" dirty="0"/>
+              <a:t>Aimed at mature audiences you can turn the streets into a blood bath using lethal magical gadgets.</a:t>
+            </a:r>
+          </a:p>
+          <a:p>
+            <a:endParaRPr lang="en-GB" dirty="0"/>
+          </a:p>
+          <a:p>
+            <a:r>
+              <a:rPr lang="en-GB" dirty="0"/>
+              <a:t>Transmutation Disc that lets player traverse environment</a:t>
+            </a:r>
+          </a:p>
+          <a:p>
+            <a:endParaRPr lang="en-GB" dirty="0"/>
+          </a:p>
+          <a:p>
+            <a:r>
+              <a:rPr lang="en-GB" dirty="0"/>
+              <a:t>The Shock hook, that lets you stun enemies from afar. </a:t>
+            </a:r>
+          </a:p>
+          <a:p>
+            <a:endParaRPr lang="en-GB" dirty="0"/>
+          </a:p>
+          <a:p>
+            <a:endParaRPr lang="en-GB" dirty="0"/>
+          </a:p>
+        </p:txBody>
+      </p:sp>
+      <p:pic>
+        <p:nvPicPr>
+          <p:cNvPr id="4" name="Picture 3">
+            <a:extLst>
+              <a:ext uri="{FF2B5EF4-FFF2-40B4-BE49-F238E27FC236}">
+                <a16:creationId xmlns:a16="http://schemas.microsoft.com/office/drawing/2014/main" id="{53D9F975-E0BA-4836-A123-8F0FA852564D}"/>
+              </a:ext>
+            </a:extLst>
+          </p:cNvPr>
+          <p:cNvPicPr>
+            <a:picLocks noChangeAspect="1"/>
+          </p:cNvPicPr>
+          <p:nvPr/>
+        </p:nvPicPr>
+        <p:blipFill>
+          <a:blip r:embed="rId2"/>
+          <a:stretch>
+            <a:fillRect/>
+          </a:stretch>
+        </p:blipFill>
+        <p:spPr>
+          <a:xfrm>
+            <a:off x="9248248" y="298581"/>
+            <a:ext cx="3110392" cy="4737366"/>
+          </a:xfrm>
+          <a:prstGeom prst="rect">
+            <a:avLst/>
+          </a:prstGeom>
+        </p:spPr>
+      </p:pic>
+      <p:pic>
+        <p:nvPicPr>
+          <p:cNvPr id="5" name="Picture 4">
+            <a:extLst>
+              <a:ext uri="{FF2B5EF4-FFF2-40B4-BE49-F238E27FC236}">
+                <a16:creationId xmlns:a16="http://schemas.microsoft.com/office/drawing/2014/main" id="{F7E08E79-819C-409F-A13A-C438F5F9E7BD}"/>
+              </a:ext>
+            </a:extLst>
+          </p:cNvPr>
+          <p:cNvPicPr>
+            <a:picLocks noChangeAspect="1"/>
+          </p:cNvPicPr>
+          <p:nvPr/>
+        </p:nvPicPr>
+        <p:blipFill>
+          <a:blip r:embed="rId3"/>
+          <a:stretch>
+            <a:fillRect/>
+          </a:stretch>
+        </p:blipFill>
+        <p:spPr>
+          <a:xfrm>
+            <a:off x="6407816" y="2816200"/>
+            <a:ext cx="2343044" cy="3685591"/>
+          </a:xfrm>
+          <a:prstGeom prst="rect">
+            <a:avLst/>
+          </a:prstGeom>
+        </p:spPr>
+      </p:pic>
+    </p:spTree>
+    <p:extLst>
+      <p:ext uri="{BB962C8B-B14F-4D97-AF65-F5344CB8AC3E}">
+        <p14:creationId xmlns:p14="http://schemas.microsoft.com/office/powerpoint/2010/main" val="2738825806"/>
+      </p:ext>
+    </p:extLst>
+  </p:cSld>
+  <p:clrMapOvr>
+    <a:masterClrMapping/>
+  </p:clrMapOvr>
+</p:sld>
+</file>
+
+<file path=ppt/slides/slide7.xml><?xml version="1.0" encoding="utf-8"?>
+<p:sld xmlns:a="http://schemas.openxmlformats.org/drawingml/2006/main" xmlns:r="http://schemas.openxmlformats.org/officeDocument/2006/relationships" xmlns:p="http://schemas.openxmlformats.org/presentationml/2006/main">
+  <p:cSld>
+    <p:spTree>
+      <p:nvGrpSpPr>
+        <p:cNvPr id="1" name=""/>
+        <p:cNvGrpSpPr/>
+        <p:nvPr/>
+      </p:nvGrpSpPr>
+      <p:grpSpPr>
+        <a:xfrm>
+          <a:off x="0" y="0"/>
+          <a:ext cx="0" cy="0"/>
+          <a:chOff x="0" y="0"/>
+          <a:chExt cx="0" cy="0"/>
+        </a:xfrm>
+      </p:grpSpPr>
+      <p:sp>
+        <p:nvSpPr>
+          <p:cNvPr id="2" name="Title 1">
+            <a:extLst>
+              <a:ext uri="{FF2B5EF4-FFF2-40B4-BE49-F238E27FC236}">
+                <a16:creationId xmlns:a16="http://schemas.microsoft.com/office/drawing/2014/main" id="{594113A8-40E1-495E-B988-FF61BB671116}"/>
+              </a:ext>
+            </a:extLst>
+          </p:cNvPr>
+          <p:cNvSpPr>
+            <a:spLocks noGrp="1"/>
+          </p:cNvSpPr>
+          <p:nvPr>
+            <p:ph type="title"/>
+          </p:nvPr>
+        </p:nvSpPr>
+        <p:spPr/>
+        <p:txBody>
+          <a:bodyPr/>
+          <a:lstStyle/>
+          <a:p>
+            <a:r>
+              <a:rPr lang="en-GB" dirty="0"/>
+              <a:t>Using the environment</a:t>
+            </a:r>
+          </a:p>
+        </p:txBody>
+      </p:sp>
+      <p:sp>
+        <p:nvSpPr>
+          <p:cNvPr id="3" name="Content Placeholder 2">
+            <a:extLst>
+              <a:ext uri="{FF2B5EF4-FFF2-40B4-BE49-F238E27FC236}">
+                <a16:creationId xmlns:a16="http://schemas.microsoft.com/office/drawing/2014/main" id="{579582A7-68D1-4C3B-829A-1583755A69F6}"/>
+              </a:ext>
+            </a:extLst>
+          </p:cNvPr>
+          <p:cNvSpPr>
+            <a:spLocks noGrp="1"/>
+          </p:cNvSpPr>
+          <p:nvPr>
+            <p:ph idx="1"/>
+          </p:nvPr>
+        </p:nvSpPr>
+        <p:spPr>
+          <a:xfrm>
+            <a:off x="943834" y="1410858"/>
+            <a:ext cx="8946541" cy="4195481"/>
+          </a:xfrm>
+        </p:spPr>
+        <p:txBody>
+          <a:bodyPr>
+            <a:normAutofit/>
+          </a:bodyPr>
+          <a:lstStyle/>
+          <a:p>
+            <a:r>
+              <a:rPr lang="en-GB" dirty="0"/>
+              <a:t>Clouds of dust to get behind enemies</a:t>
+            </a:r>
+          </a:p>
+          <a:p>
+            <a:endParaRPr lang="en-GB" dirty="0"/>
+          </a:p>
+          <a:p>
+            <a:r>
+              <a:rPr lang="en-GB" dirty="0"/>
+              <a:t>Hidden pathways by climbing over pipes. </a:t>
+            </a:r>
+          </a:p>
+          <a:p>
+            <a:endParaRPr lang="en-GB" dirty="0"/>
+          </a:p>
+        </p:txBody>
+      </p:sp>
+      <p:pic>
+        <p:nvPicPr>
+          <p:cNvPr id="4" name="Picture 3">
+            <a:extLst>
+              <a:ext uri="{FF2B5EF4-FFF2-40B4-BE49-F238E27FC236}">
+                <a16:creationId xmlns:a16="http://schemas.microsoft.com/office/drawing/2014/main" id="{6B2CF9F5-71B7-4E3F-A9DE-8AB51B0DD028}"/>
+              </a:ext>
+            </a:extLst>
+          </p:cNvPr>
+          <p:cNvPicPr>
+            <a:picLocks noChangeAspect="1"/>
+          </p:cNvPicPr>
+          <p:nvPr/>
+        </p:nvPicPr>
+        <p:blipFill>
+          <a:blip r:embed="rId2"/>
+          <a:stretch>
+            <a:fillRect/>
+          </a:stretch>
+        </p:blipFill>
+        <p:spPr>
+          <a:xfrm>
+            <a:off x="2973429" y="2687505"/>
+            <a:ext cx="7420873" cy="3966581"/>
+          </a:xfrm>
+          <a:prstGeom prst="rect">
+            <a:avLst/>
+          </a:prstGeom>
+        </p:spPr>
+      </p:pic>
+    </p:spTree>
+    <p:extLst>
+      <p:ext uri="{BB962C8B-B14F-4D97-AF65-F5344CB8AC3E}">
+        <p14:creationId xmlns:p14="http://schemas.microsoft.com/office/powerpoint/2010/main" val="1051830337"/>
+      </p:ext>
+    </p:extLst>
+  </p:cSld>
+  <p:clrMapOvr>
+    <a:masterClrMapping/>
+  </p:clrMapOvr>
+</p:sld>
+</file>
+
+<file path=ppt/slides/slide8.xml><?xml version="1.0" encoding="utf-8"?>
+<p:sld xmlns:a="http://schemas.openxmlformats.org/drawingml/2006/main" xmlns:r="http://schemas.openxmlformats.org/officeDocument/2006/relationships" xmlns:p="http://schemas.openxmlformats.org/presentationml/2006/main">
+  <p:cSld>
+    <p:spTree>
+      <p:nvGrpSpPr>
+        <p:cNvPr id="1" name=""/>
+        <p:cNvGrpSpPr/>
+        <p:nvPr/>
+      </p:nvGrpSpPr>
+      <p:grpSpPr>
+        <a:xfrm>
+          <a:off x="0" y="0"/>
+          <a:ext cx="0" cy="0"/>
+          <a:chOff x="0" y="0"/>
+          <a:chExt cx="0" cy="0"/>
+        </a:xfrm>
+      </p:grpSpPr>
+      <p:sp>
+        <p:nvSpPr>
+          <p:cNvPr id="2" name="Title 1">
+            <a:extLst>
+              <a:ext uri="{FF2B5EF4-FFF2-40B4-BE49-F238E27FC236}">
+                <a16:creationId xmlns:a16="http://schemas.microsoft.com/office/drawing/2014/main" id="{E14DAAF1-F2B3-4C41-BA7A-8ACB8A9F083B}"/>
+              </a:ext>
+            </a:extLst>
+          </p:cNvPr>
+          <p:cNvSpPr>
+            <a:spLocks noGrp="1"/>
+          </p:cNvSpPr>
+          <p:nvPr>
+            <p:ph type="title"/>
+          </p:nvPr>
+        </p:nvSpPr>
+        <p:spPr>
+          <a:xfrm>
+            <a:off x="646111" y="452718"/>
+            <a:ext cx="9404723" cy="1400530"/>
+          </a:xfrm>
+        </p:spPr>
+        <p:txBody>
+          <a:bodyPr/>
+          <a:lstStyle/>
+          <a:p>
+            <a:r>
+              <a:rPr lang="en-GB" dirty="0"/>
+              <a:t>AI Guards that hunt down player</a:t>
+            </a:r>
+          </a:p>
+        </p:txBody>
+      </p:sp>
+      <p:pic>
+        <p:nvPicPr>
+          <p:cNvPr id="4" name="Picture 3">
+            <a:extLst>
+              <a:ext uri="{FF2B5EF4-FFF2-40B4-BE49-F238E27FC236}">
+                <a16:creationId xmlns:a16="http://schemas.microsoft.com/office/drawing/2014/main" id="{D506A6A5-58E6-471A-B929-AE7B507E773B}"/>
+              </a:ext>
+            </a:extLst>
+          </p:cNvPr>
+          <p:cNvPicPr>
+            <a:picLocks noChangeAspect="1"/>
+          </p:cNvPicPr>
+          <p:nvPr/>
+        </p:nvPicPr>
+        <p:blipFill>
+          <a:blip r:embed="rId2"/>
+          <a:stretch>
+            <a:fillRect/>
+          </a:stretch>
+        </p:blipFill>
+        <p:spPr>
+          <a:xfrm>
+            <a:off x="2669673" y="1362268"/>
+            <a:ext cx="4912783" cy="4271351"/>
+          </a:xfrm>
+          <a:prstGeom prst="rect">
+            <a:avLst/>
+          </a:prstGeom>
+        </p:spPr>
+      </p:pic>
+      <p:sp>
+        <p:nvSpPr>
+          <p:cNvPr id="7" name="Title 1">
+            <a:extLst>
+              <a:ext uri="{FF2B5EF4-FFF2-40B4-BE49-F238E27FC236}">
+                <a16:creationId xmlns:a16="http://schemas.microsoft.com/office/drawing/2014/main" id="{7844E8B8-358A-423D-84FF-EB73BF9FE6BF}"/>
+              </a:ext>
+            </a:extLst>
+          </p:cNvPr>
+          <p:cNvSpPr txBox="1">
+            <a:spLocks/>
+          </p:cNvSpPr>
+          <p:nvPr/>
+        </p:nvSpPr>
+        <p:spPr>
+          <a:xfrm>
+            <a:off x="2669673" y="5777589"/>
+            <a:ext cx="9404723" cy="1400530"/>
+          </a:xfrm>
+          <a:prstGeom prst="rect">
+            <a:avLst/>
+          </a:prstGeom>
+        </p:spPr>
+        <p:txBody>
+          <a:bodyPr vert="horz" lIns="91440" tIns="45720" rIns="91440" bIns="45720" rtlCol="0" anchor="t">
+            <a:noAutofit/>
+          </a:bodyPr>
+          <a:lstStyle>
+            <a:lvl1pPr algn="l" defTabSz="457200" rtl="0" eaLnBrk="1" latinLnBrk="0" hangingPunct="1">
+              <a:spcBef>
+                <a:spcPct val="0"/>
+              </a:spcBef>
+              <a:buNone/>
+              <a:defRPr sz="4200" b="0" i="0" kern="1200">
+                <a:solidFill>
+                  <a:schemeClr val="tx2"/>
+                </a:solidFill>
+                <a:latin typeface="+mj-lt"/>
+                <a:ea typeface="+mj-ea"/>
+                <a:cs typeface="+mj-cs"/>
+              </a:defRPr>
+            </a:lvl1pPr>
+            <a:lvl2pPr eaLnBrk="1" hangingPunct="1">
+              <a:defRPr>
+                <a:solidFill>
+                  <a:schemeClr val="tx2"/>
+                </a:solidFill>
+              </a:defRPr>
+            </a:lvl2pPr>
+            <a:lvl3pPr eaLnBrk="1" hangingPunct="1">
+              <a:defRPr>
+                <a:solidFill>
+                  <a:schemeClr val="tx2"/>
+                </a:solidFill>
+              </a:defRPr>
+            </a:lvl3pPr>
+            <a:lvl4pPr eaLnBrk="1" hangingPunct="1">
+              <a:defRPr>
+                <a:solidFill>
+                  <a:schemeClr val="tx2"/>
+                </a:solidFill>
+              </a:defRPr>
+            </a:lvl4pPr>
+            <a:lvl5pPr eaLnBrk="1" hangingPunct="1">
+              <a:defRPr>
+                <a:solidFill>
+                  <a:schemeClr val="tx2"/>
+                </a:solidFill>
+              </a:defRPr>
+            </a:lvl5pPr>
+            <a:lvl6pPr eaLnBrk="1" hangingPunct="1">
+              <a:defRPr>
+                <a:solidFill>
+                  <a:schemeClr val="tx2"/>
+                </a:solidFill>
+              </a:defRPr>
+            </a:lvl6pPr>
+            <a:lvl7pPr eaLnBrk="1" hangingPunct="1">
+              <a:defRPr>
+                <a:solidFill>
+                  <a:schemeClr val="tx2"/>
+                </a:solidFill>
+              </a:defRPr>
+            </a:lvl7pPr>
+            <a:lvl8pPr eaLnBrk="1" hangingPunct="1">
+              <a:defRPr>
+                <a:solidFill>
+                  <a:schemeClr val="tx2"/>
+                </a:solidFill>
+              </a:defRPr>
+            </a:lvl8pPr>
+            <a:lvl9pPr eaLnBrk="1" hangingPunct="1">
+              <a:defRPr>
+                <a:solidFill>
+                  <a:schemeClr val="tx2"/>
+                </a:solidFill>
+              </a:defRPr>
+            </a:lvl9pPr>
+          </a:lstStyle>
+          <a:p>
+            <a:r>
+              <a:rPr lang="en-GB" dirty="0"/>
+              <a:t>Playable Demo</a:t>
+            </a:r>
+          </a:p>
+        </p:txBody>
+      </p:sp>
+    </p:spTree>
+    <p:extLst>
+      <p:ext uri="{BB962C8B-B14F-4D97-AF65-F5344CB8AC3E}">
+        <p14:creationId xmlns:p14="http://schemas.microsoft.com/office/powerpoint/2010/main" val="1916468539"/>
       </p:ext>
     </p:extLst>
   </p:cSld>
